--- a/NotePowerpoint.pptx
+++ b/NotePowerpoint.pptx
@@ -320,7 +320,7 @@
           <a:p>
             <a:fld id="{0C3A692C-48CF-417A-B040-C09682962CA8}" type="datetimeFigureOut">
               <a:rPr lang="fr-CA" smtClean="0"/>
-              <a:t>2020-02-05</a:t>
+              <a:t>2020-02-06</a:t>
             </a:fld>
             <a:endParaRPr lang="fr-CA"/>
           </a:p>
@@ -618,7 +618,7 @@
           <a:p>
             <a:fld id="{0C3A692C-48CF-417A-B040-C09682962CA8}" type="datetimeFigureOut">
               <a:rPr lang="fr-CA" smtClean="0"/>
-              <a:t>2020-02-05</a:t>
+              <a:t>2020-02-06</a:t>
             </a:fld>
             <a:endParaRPr lang="fr-CA"/>
           </a:p>
@@ -810,7 +810,7 @@
           <a:p>
             <a:fld id="{0C3A692C-48CF-417A-B040-C09682962CA8}" type="datetimeFigureOut">
               <a:rPr lang="fr-CA" smtClean="0"/>
-              <a:t>2020-02-05</a:t>
+              <a:t>2020-02-06</a:t>
             </a:fld>
             <a:endParaRPr lang="fr-CA"/>
           </a:p>
@@ -1071,7 +1071,7 @@
           <a:p>
             <a:fld id="{0C3A692C-48CF-417A-B040-C09682962CA8}" type="datetimeFigureOut">
               <a:rPr lang="fr-CA" smtClean="0"/>
-              <a:t>2020-02-05</a:t>
+              <a:t>2020-02-06</a:t>
             </a:fld>
             <a:endParaRPr lang="fr-CA"/>
           </a:p>
@@ -1495,7 +1495,7 @@
           <a:p>
             <a:fld id="{0C3A692C-48CF-417A-B040-C09682962CA8}" type="datetimeFigureOut">
               <a:rPr lang="fr-CA" smtClean="0"/>
-              <a:t>2020-02-05</a:t>
+              <a:t>2020-02-06</a:t>
             </a:fld>
             <a:endParaRPr lang="fr-CA"/>
           </a:p>
@@ -2032,7 +2032,7 @@
           <a:p>
             <a:fld id="{0C3A692C-48CF-417A-B040-C09682962CA8}" type="datetimeFigureOut">
               <a:rPr lang="fr-CA" smtClean="0"/>
-              <a:t>2020-02-05</a:t>
+              <a:t>2020-02-06</a:t>
             </a:fld>
             <a:endParaRPr lang="fr-CA"/>
           </a:p>
@@ -2896,7 +2896,7 @@
           <a:p>
             <a:fld id="{0C3A692C-48CF-417A-B040-C09682962CA8}" type="datetimeFigureOut">
               <a:rPr lang="fr-CA" smtClean="0"/>
-              <a:t>2020-02-05</a:t>
+              <a:t>2020-02-06</a:t>
             </a:fld>
             <a:endParaRPr lang="fr-CA"/>
           </a:p>
@@ -3066,7 +3066,7 @@
           <a:p>
             <a:fld id="{0C3A692C-48CF-417A-B040-C09682962CA8}" type="datetimeFigureOut">
               <a:rPr lang="fr-CA" smtClean="0"/>
-              <a:t>2020-02-05</a:t>
+              <a:t>2020-02-06</a:t>
             </a:fld>
             <a:endParaRPr lang="fr-CA"/>
           </a:p>
@@ -3250,7 +3250,7 @@
           <a:p>
             <a:fld id="{0C3A692C-48CF-417A-B040-C09682962CA8}" type="datetimeFigureOut">
               <a:rPr lang="fr-CA" smtClean="0"/>
-              <a:t>2020-02-05</a:t>
+              <a:t>2020-02-06</a:t>
             </a:fld>
             <a:endParaRPr lang="fr-CA"/>
           </a:p>
@@ -3420,7 +3420,7 @@
           <a:p>
             <a:fld id="{0C3A692C-48CF-417A-B040-C09682962CA8}" type="datetimeFigureOut">
               <a:rPr lang="fr-CA" smtClean="0"/>
-              <a:t>2020-02-05</a:t>
+              <a:t>2020-02-06</a:t>
             </a:fld>
             <a:endParaRPr lang="fr-CA"/>
           </a:p>
@@ -3664,7 +3664,7 @@
           <a:p>
             <a:fld id="{0C3A692C-48CF-417A-B040-C09682962CA8}" type="datetimeFigureOut">
               <a:rPr lang="fr-CA" smtClean="0"/>
-              <a:t>2020-02-05</a:t>
+              <a:t>2020-02-06</a:t>
             </a:fld>
             <a:endParaRPr lang="fr-CA"/>
           </a:p>
@@ -3900,7 +3900,7 @@
           <a:p>
             <a:fld id="{0C3A692C-48CF-417A-B040-C09682962CA8}" type="datetimeFigureOut">
               <a:rPr lang="fr-CA" smtClean="0"/>
-              <a:t>2020-02-05</a:t>
+              <a:t>2020-02-06</a:t>
             </a:fld>
             <a:endParaRPr lang="fr-CA"/>
           </a:p>
@@ -4366,7 +4366,7 @@
           <a:p>
             <a:fld id="{0C3A692C-48CF-417A-B040-C09682962CA8}" type="datetimeFigureOut">
               <a:rPr lang="fr-CA" smtClean="0"/>
-              <a:t>2020-02-05</a:t>
+              <a:t>2020-02-06</a:t>
             </a:fld>
             <a:endParaRPr lang="fr-CA"/>
           </a:p>
@@ -4484,7 +4484,7 @@
           <a:p>
             <a:fld id="{0C3A692C-48CF-417A-B040-C09682962CA8}" type="datetimeFigureOut">
               <a:rPr lang="fr-CA" smtClean="0"/>
-              <a:t>2020-02-05</a:t>
+              <a:t>2020-02-06</a:t>
             </a:fld>
             <a:endParaRPr lang="fr-CA"/>
           </a:p>
@@ -4579,7 +4579,7 @@
           <a:p>
             <a:fld id="{0C3A692C-48CF-417A-B040-C09682962CA8}" type="datetimeFigureOut">
               <a:rPr lang="fr-CA" smtClean="0"/>
-              <a:t>2020-02-05</a:t>
+              <a:t>2020-02-06</a:t>
             </a:fld>
             <a:endParaRPr lang="fr-CA"/>
           </a:p>
@@ -4834,7 +4834,7 @@
           <a:p>
             <a:fld id="{0C3A692C-48CF-417A-B040-C09682962CA8}" type="datetimeFigureOut">
               <a:rPr lang="fr-CA" smtClean="0"/>
-              <a:t>2020-02-05</a:t>
+              <a:t>2020-02-06</a:t>
             </a:fld>
             <a:endParaRPr lang="fr-CA"/>
           </a:p>
@@ -5134,7 +5134,7 @@
           <a:p>
             <a:fld id="{0C3A692C-48CF-417A-B040-C09682962CA8}" type="datetimeFigureOut">
               <a:rPr lang="fr-CA" smtClean="0"/>
-              <a:t>2020-02-05</a:t>
+              <a:t>2020-02-06</a:t>
             </a:fld>
             <a:endParaRPr lang="fr-CA"/>
           </a:p>
@@ -5368,7 +5368,7 @@
           <a:p>
             <a:fld id="{0C3A692C-48CF-417A-B040-C09682962CA8}" type="datetimeFigureOut">
               <a:rPr lang="fr-CA" smtClean="0"/>
-              <a:t>2020-02-05</a:t>
+              <a:t>2020-02-06</a:t>
             </a:fld>
             <a:endParaRPr lang="fr-CA"/>
           </a:p>
@@ -6245,7 +6245,7 @@
             </a:r>
             <a:r>
               <a:rPr lang="en-CA" dirty="0"/>
-              <a:t> comprehension du </a:t>
+              <a:t> comprehension des </a:t>
             </a:r>
             <a:r>
               <a:rPr lang="en-CA" dirty="0" err="1"/>
@@ -6253,7 +6253,15 @@
             </a:r>
             <a:r>
               <a:rPr lang="en-CA" dirty="0"/>
-              <a:t> global;</a:t>
+              <a:t> </a:t>
+            </a:r>
+            <a:r>
+              <a:rPr lang="en-CA" dirty="0" err="1"/>
+              <a:t>principaux</a:t>
+            </a:r>
+            <a:r>
+              <a:rPr lang="en-CA" dirty="0"/>
+              <a:t>;</a:t>
             </a:r>
           </a:p>
           <a:p>
@@ -6288,99 +6296,51 @@
           </a:p>
           <a:p>
             <a:r>
-              <a:rPr lang="en-CA" dirty="0" err="1">
-                <a:highlight>
-                  <a:srgbClr val="FFFF00"/>
-                </a:highlight>
-              </a:rPr>
+              <a:rPr lang="en-CA" dirty="0" err="1"/>
               <a:t>Améliore</a:t>
             </a:r>
             <a:r>
-              <a:rPr lang="en-CA" dirty="0">
-                <a:highlight>
-                  <a:srgbClr val="FFFF00"/>
-                </a:highlight>
-              </a:rPr>
+              <a:rPr lang="en-CA" dirty="0"/>
               <a:t> les rencontres avec le client et de bien </a:t>
             </a:r>
             <a:r>
-              <a:rPr lang="en-CA" dirty="0" err="1">
-                <a:highlight>
-                  <a:srgbClr val="FFFF00"/>
-                </a:highlight>
-              </a:rPr>
+              <a:rPr lang="en-CA" dirty="0" err="1"/>
               <a:t>comprendre</a:t>
             </a:r>
             <a:r>
-              <a:rPr lang="en-CA" dirty="0">
-                <a:highlight>
-                  <a:srgbClr val="FFFF00"/>
-                </a:highlight>
-              </a:rPr>
+              <a:rPr lang="en-CA" dirty="0"/>
               <a:t> </a:t>
             </a:r>
             <a:r>
-              <a:rPr lang="en-CA" dirty="0" err="1">
-                <a:highlight>
-                  <a:srgbClr val="FFFF00"/>
-                </a:highlight>
-              </a:rPr>
+              <a:rPr lang="en-CA" dirty="0" err="1"/>
               <a:t>ses</a:t>
             </a:r>
             <a:r>
-              <a:rPr lang="en-CA" dirty="0">
-                <a:highlight>
-                  <a:srgbClr val="FFFF00"/>
-                </a:highlight>
-              </a:rPr>
+              <a:rPr lang="en-CA" dirty="0"/>
               <a:t> </a:t>
             </a:r>
             <a:r>
-              <a:rPr lang="en-CA" dirty="0" err="1">
-                <a:highlight>
-                  <a:srgbClr val="FFFF00"/>
-                </a:highlight>
-              </a:rPr>
+              <a:rPr lang="en-CA" dirty="0" err="1"/>
               <a:t>besoins</a:t>
             </a:r>
             <a:r>
-              <a:rPr lang="en-CA" dirty="0">
-                <a:highlight>
-                  <a:srgbClr val="FFFF00"/>
-                </a:highlight>
-              </a:rPr>
+              <a:rPr lang="en-CA" dirty="0"/>
               <a:t> et </a:t>
             </a:r>
             <a:r>
-              <a:rPr lang="en-CA" dirty="0" err="1">
-                <a:highlight>
-                  <a:srgbClr val="FFFF00"/>
-                </a:highlight>
-              </a:rPr>
+              <a:rPr lang="en-CA" dirty="0" err="1"/>
               <a:t>ses</a:t>
             </a:r>
             <a:r>
-              <a:rPr lang="en-CA" dirty="0">
-                <a:highlight>
-                  <a:srgbClr val="FFFF00"/>
-                </a:highlight>
-              </a:rPr>
+              <a:rPr lang="en-CA" dirty="0"/>
               <a:t> </a:t>
             </a:r>
             <a:r>
-              <a:rPr lang="en-CA" dirty="0" err="1">
-                <a:highlight>
-                  <a:srgbClr val="FFFF00"/>
-                </a:highlight>
-              </a:rPr>
+              <a:rPr lang="en-CA" dirty="0" err="1"/>
               <a:t>attentes</a:t>
             </a:r>
             <a:r>
-              <a:rPr lang="en-CA" dirty="0">
-                <a:highlight>
-                  <a:srgbClr val="FFFF00"/>
-                </a:highlight>
-              </a:rPr>
+              <a:rPr lang="en-CA" dirty="0"/>
               <a:t>;</a:t>
             </a:r>
           </a:p>
@@ -7201,38 +7161,18 @@
             </a:r>
             <a:r>
               <a:rPr lang="en-CA" dirty="0"/>
-              <a:t>, </a:t>
-            </a:r>
-            <a:r>
-              <a:rPr lang="en-CA" dirty="0">
-                <a:solidFill>
-                  <a:srgbClr val="FF0000"/>
-                </a:solidFill>
-              </a:rPr>
-              <a:t>mais risque de bottleneck selon </a:t>
-            </a:r>
-            <a:r>
-              <a:rPr lang="en-CA" dirty="0" err="1">
-                <a:solidFill>
-                  <a:srgbClr val="FF0000"/>
-                </a:solidFill>
-              </a:rPr>
+              <a:t>, mais risque de bottleneck selon </a:t>
+            </a:r>
+            <a:r>
+              <a:rPr lang="en-CA" dirty="0" err="1"/>
               <a:t>l’ampleur</a:t>
             </a:r>
             <a:r>
-              <a:rPr lang="en-CA" dirty="0">
-                <a:solidFill>
-                  <a:srgbClr val="FF0000"/>
-                </a:solidFill>
-              </a:rPr>
+              <a:rPr lang="en-CA" dirty="0"/>
               <a:t> des </a:t>
             </a:r>
             <a:r>
-              <a:rPr lang="en-CA" dirty="0" err="1">
-                <a:solidFill>
-                  <a:srgbClr val="FF0000"/>
-                </a:solidFill>
-              </a:rPr>
+              <a:rPr lang="en-CA" dirty="0" err="1"/>
               <a:t>changements</a:t>
             </a:r>
             <a:r>
@@ -7834,24 +7774,20 @@
               <a:t> </a:t>
             </a:r>
             <a:r>
-              <a:rPr lang="en-CA" dirty="0" err="1">
-                <a:solidFill>
-                  <a:srgbClr val="FF0000"/>
-                </a:solidFill>
-              </a:rPr>
+              <a:rPr lang="en-CA" dirty="0" err="1"/>
               <a:t>n’est</a:t>
             </a:r>
             <a:r>
-              <a:rPr lang="en-CA" dirty="0">
-                <a:solidFill>
-                  <a:srgbClr val="FF0000"/>
-                </a:solidFill>
-              </a:rPr>
-              <a:t> pas la plus complete seule</a:t>
-            </a:r>
-            <a:r>
               <a:rPr lang="en-CA" dirty="0"/>
-              <a:t>, </a:t>
+              <a:t> pas la plus </a:t>
+            </a:r>
+            <a:r>
+              <a:rPr lang="en-CA" dirty="0" err="1"/>
+              <a:t>complète</a:t>
+            </a:r>
+            <a:r>
+              <a:rPr lang="en-CA" dirty="0"/>
+              <a:t> seule, </a:t>
             </a:r>
             <a:r>
               <a:rPr lang="en-CA" dirty="0" err="1"/>
@@ -7891,22 +7827,10 @@
             </a:r>
             <a:r>
               <a:rPr lang="en-CA" dirty="0"/>
-              <a:t> </a:t>
-            </a:r>
-            <a:r>
-              <a:rPr lang="en-CA" dirty="0">
-                <a:solidFill>
-                  <a:srgbClr val="FF0000"/>
-                </a:solidFill>
-              </a:rPr>
-              <a:t>pour être </a:t>
-            </a:r>
-            <a:r>
-              <a:rPr lang="en-CA" dirty="0" err="1">
-                <a:solidFill>
-                  <a:srgbClr val="FF0000"/>
-                </a:solidFill>
-              </a:rPr>
+              <a:t> pour être </a:t>
+            </a:r>
+            <a:r>
+              <a:rPr lang="en-CA" dirty="0" err="1"/>
               <a:t>optimale</a:t>
             </a:r>
             <a:r>
@@ -8046,75 +7970,39 @@
           </a:p>
           <a:p>
             <a:r>
-              <a:rPr lang="en-CA" dirty="0" err="1">
-                <a:solidFill>
-                  <a:srgbClr val="FF0000"/>
-                </a:solidFill>
-              </a:rPr>
+              <a:rPr lang="en-CA" dirty="0" err="1"/>
               <a:t>L’intrégration</a:t>
             </a:r>
             <a:r>
-              <a:rPr lang="en-CA" dirty="0">
-                <a:solidFill>
-                  <a:srgbClr val="FF0000"/>
-                </a:solidFill>
-              </a:rPr>
+              <a:rPr lang="en-CA" dirty="0"/>
               <a:t> à un </a:t>
             </a:r>
             <a:r>
-              <a:rPr lang="en-CA" dirty="0" err="1">
-                <a:solidFill>
-                  <a:srgbClr val="FF0000"/>
-                </a:solidFill>
-              </a:rPr>
+              <a:rPr lang="en-CA" dirty="0" err="1"/>
               <a:t>projet</a:t>
             </a:r>
             <a:r>
-              <a:rPr lang="en-CA" dirty="0">
-                <a:solidFill>
-                  <a:srgbClr val="FF0000"/>
-                </a:solidFill>
-              </a:rPr>
+              <a:rPr lang="en-CA" dirty="0"/>
               <a:t> </a:t>
             </a:r>
             <a:r>
-              <a:rPr lang="en-CA" dirty="0" err="1">
-                <a:solidFill>
-                  <a:srgbClr val="FF0000"/>
-                </a:solidFill>
-              </a:rPr>
+              <a:rPr lang="en-CA" dirty="0" err="1"/>
               <a:t>existant</a:t>
             </a:r>
             <a:r>
-              <a:rPr lang="en-CA" dirty="0">
-                <a:solidFill>
-                  <a:srgbClr val="FF0000"/>
-                </a:solidFill>
-              </a:rPr>
+              <a:rPr lang="en-CA" dirty="0"/>
               <a:t> peut </a:t>
             </a:r>
             <a:r>
-              <a:rPr lang="en-CA" dirty="0" err="1">
-                <a:solidFill>
-                  <a:srgbClr val="FF0000"/>
-                </a:solidFill>
-              </a:rPr>
+              <a:rPr lang="en-CA" dirty="0" err="1"/>
               <a:t>créer</a:t>
             </a:r>
             <a:r>
-              <a:rPr lang="en-CA" dirty="0">
-                <a:solidFill>
-                  <a:srgbClr val="FF0000"/>
-                </a:solidFill>
-              </a:rPr>
+              <a:rPr lang="en-CA" dirty="0"/>
               <a:t> des delais d’être </a:t>
             </a:r>
             <a:r>
-              <a:rPr lang="en-CA" dirty="0" err="1">
-                <a:solidFill>
-                  <a:srgbClr val="FF0000"/>
-                </a:solidFill>
-              </a:rPr>
+              <a:rPr lang="en-CA" dirty="0" err="1"/>
               <a:t>implanté</a:t>
             </a:r>
             <a:r>
@@ -8124,119 +8012,34 @@
           </a:p>
           <a:p>
             <a:r>
-              <a:rPr lang="en-CA" dirty="0">
-                <a:highlight>
-                  <a:srgbClr val="FFFF00"/>
-                </a:highlight>
-              </a:rPr>
-              <a:t>Difficile de </a:t>
-            </a:r>
-            <a:r>
-              <a:rPr lang="en-CA" dirty="0" err="1">
-                <a:highlight>
-                  <a:srgbClr val="FFFF00"/>
-                </a:highlight>
-              </a:rPr>
-              <a:t>gérer</a:t>
-            </a:r>
-            <a:r>
-              <a:rPr lang="en-CA" dirty="0">
-                <a:highlight>
-                  <a:srgbClr val="FFFF00"/>
-                </a:highlight>
-              </a:rPr>
+              <a:rPr lang="en-CA" dirty="0"/>
+              <a:t>Trop de segmentation </a:t>
+            </a:r>
+            <a:r>
+              <a:rPr lang="en-CA" dirty="0" err="1"/>
+              <a:t>peut</a:t>
+            </a:r>
+            <a:r>
+              <a:rPr lang="en-CA" dirty="0"/>
+              <a:t> faire </a:t>
+            </a:r>
+            <a:r>
+              <a:rPr lang="en-CA" dirty="0" err="1"/>
+              <a:t>stagner</a:t>
+            </a:r>
+            <a:r>
+              <a:rPr lang="en-CA" dirty="0"/>
               <a:t> le </a:t>
             </a:r>
             <a:r>
-              <a:rPr lang="en-CA" dirty="0" err="1">
-                <a:highlight>
-                  <a:srgbClr val="FFFF00"/>
-                </a:highlight>
-              </a:rPr>
-              <a:t>taux</a:t>
-            </a:r>
-            <a:r>
-              <a:rPr lang="en-CA" dirty="0">
-                <a:highlight>
-                  <a:srgbClr val="FFFF00"/>
-                </a:highlight>
-              </a:rPr>
-              <a:t> de </a:t>
-            </a:r>
-            <a:r>
-              <a:rPr lang="en-CA" dirty="0" err="1">
-                <a:highlight>
-                  <a:srgbClr val="FFFF00"/>
-                </a:highlight>
-              </a:rPr>
+              <a:rPr lang="en-CA" dirty="0" err="1"/>
               <a:t>projet</a:t>
             </a:r>
             <a:r>
-              <a:rPr lang="en-CA" dirty="0">
-                <a:highlight>
-                  <a:srgbClr val="FFFF00"/>
-                </a:highlight>
-              </a:rPr>
-              <a:t> </a:t>
-            </a:r>
-            <a:r>
-              <a:rPr lang="en-CA" dirty="0" err="1">
-                <a:highlight>
-                  <a:srgbClr val="FFFF00"/>
-                </a:highlight>
-              </a:rPr>
-              <a:t>en</a:t>
-            </a:r>
-            <a:r>
-              <a:rPr lang="en-CA" dirty="0">
-                <a:highlight>
-                  <a:srgbClr val="FFFF00"/>
-                </a:highlight>
-              </a:rPr>
-              <a:t> </a:t>
-            </a:r>
-            <a:r>
-              <a:rPr lang="en-CA" dirty="0" err="1">
-                <a:highlight>
-                  <a:srgbClr val="FFFF00"/>
-                </a:highlight>
-              </a:rPr>
-              <a:t>cours</a:t>
-            </a:r>
-            <a:r>
-              <a:rPr lang="en-CA" dirty="0">
-                <a:highlight>
-                  <a:srgbClr val="FFFF00"/>
-                </a:highlight>
-              </a:rPr>
+              <a:rPr lang="en-CA"/>
               <a:t>;</a:t>
             </a:r>
-          </a:p>
-          <a:p>
-            <a:r>
-              <a:rPr lang="en-CA" dirty="0">
-                <a:highlight>
-                  <a:srgbClr val="FFFF00"/>
-                </a:highlight>
-              </a:rPr>
-              <a:t>Difficile de faire la distinctions des </a:t>
-            </a:r>
-            <a:r>
-              <a:rPr lang="en-CA" dirty="0" err="1">
-                <a:highlight>
-                  <a:srgbClr val="FFFF00"/>
-                </a:highlight>
-              </a:rPr>
-              <a:t>rôles</a:t>
-            </a:r>
-            <a:r>
-              <a:rPr lang="en-CA" dirty="0">
-                <a:highlight>
-                  <a:srgbClr val="FFFF00"/>
-                </a:highlight>
-              </a:rPr>
-              <a:t>.</a:t>
-            </a:r>
+            <a:endParaRPr lang="en-CA" dirty="0"/>
           </a:p>
         </p:txBody>
       </p:sp>
@@ -8552,55 +8355,6 @@
                       </p:childTnLst>
                     </p:cTn>
                   </p:par>
-                  <p:par>
-                    <p:cTn id="27" fill="hold">
-                      <p:stCondLst>
-                        <p:cond delay="indefinite"/>
-                      </p:stCondLst>
-                      <p:childTnLst>
-                        <p:par>
-                          <p:cTn id="28" fill="hold">
-                            <p:stCondLst>
-                              <p:cond delay="0"/>
-                            </p:stCondLst>
-                            <p:childTnLst>
-                              <p:par>
-                                <p:cTn id="29" presetID="1" presetClass="entr" presetSubtype="0" fill="hold" grpId="0" nodeType="clickEffect">
-                                  <p:stCondLst>
-                                    <p:cond delay="0"/>
-                                  </p:stCondLst>
-                                  <p:childTnLst>
-                                    <p:set>
-                                      <p:cBhvr>
-                                        <p:cTn id="30" dur="1" fill="hold">
-                                          <p:stCondLst>
-                                            <p:cond delay="0"/>
-                                          </p:stCondLst>
-                                        </p:cTn>
-                                        <p:tgtEl>
-                                          <p:spTgt spid="3">
-                                            <p:txEl>
-                                              <p:pRg st="6" end="6"/>
-                                            </p:txEl>
-                                          </p:spTgt>
-                                        </p:tgtEl>
-                                        <p:attrNameLst>
-                                          <p:attrName>style.visibility</p:attrName>
-                                        </p:attrNameLst>
-                                      </p:cBhvr>
-                                      <p:to>
-                                        <p:strVal val="visible"/>
-                                      </p:to>
-                                    </p:set>
-                                  </p:childTnLst>
-                                </p:cTn>
-                              </p:par>
-                            </p:childTnLst>
-                          </p:cTn>
-                        </p:par>
-                      </p:childTnLst>
-                    </p:cTn>
-                  </p:par>
                 </p:childTnLst>
               </p:cTn>
               <p:prevCondLst>
@@ -8703,124 +8457,6 @@
           <a:lstStyle/>
           <a:p>
             <a:r>
-              <a:rPr lang="en-CA" dirty="0">
-                <a:solidFill>
-                  <a:srgbClr val="FF0000"/>
-                </a:solidFill>
-              </a:rPr>
-              <a:t>Malgré </a:t>
-            </a:r>
-            <a:r>
-              <a:rPr lang="en-CA" dirty="0" err="1">
-                <a:solidFill>
-                  <a:srgbClr val="FF0000"/>
-                </a:solidFill>
-              </a:rPr>
-              <a:t>qu’il</a:t>
-            </a:r>
-            <a:r>
-              <a:rPr lang="en-CA" dirty="0">
-                <a:solidFill>
-                  <a:srgbClr val="FF0000"/>
-                </a:solidFill>
-              </a:rPr>
-              <a:t> y a moins de </a:t>
-            </a:r>
-            <a:r>
-              <a:rPr lang="en-CA" dirty="0" err="1">
-                <a:solidFill>
-                  <a:srgbClr val="FF0000"/>
-                </a:solidFill>
-              </a:rPr>
-              <a:t>gaspille</a:t>
-            </a:r>
-            <a:r>
-              <a:rPr lang="en-CA" dirty="0"/>
-              <a:t>, </a:t>
-            </a:r>
-            <a:r>
-              <a:rPr lang="en-CA" dirty="0" err="1">
-                <a:highlight>
-                  <a:srgbClr val="FFFF00"/>
-                </a:highlight>
-              </a:rPr>
-              <a:t>elle</a:t>
-            </a:r>
-            <a:r>
-              <a:rPr lang="en-CA" dirty="0">
-                <a:highlight>
-                  <a:srgbClr val="FFFF00"/>
-                </a:highlight>
-              </a:rPr>
-              <a:t> ne </a:t>
-            </a:r>
-            <a:r>
-              <a:rPr lang="en-CA" dirty="0" err="1">
-                <a:highlight>
-                  <a:srgbClr val="FFFF00"/>
-                </a:highlight>
-              </a:rPr>
-              <a:t>permet</a:t>
-            </a:r>
-            <a:r>
-              <a:rPr lang="en-CA" dirty="0">
-                <a:highlight>
-                  <a:srgbClr val="FFFF00"/>
-                </a:highlight>
-              </a:rPr>
-              <a:t> pas </a:t>
-            </a:r>
-            <a:r>
-              <a:rPr lang="en-CA" dirty="0" err="1">
-                <a:highlight>
-                  <a:srgbClr val="FFFF00"/>
-                </a:highlight>
-              </a:rPr>
-              <a:t>d’éliminer</a:t>
-            </a:r>
-            <a:r>
-              <a:rPr lang="en-CA" dirty="0">
-                <a:highlight>
-                  <a:srgbClr val="FFFF00"/>
-                </a:highlight>
-              </a:rPr>
-              <a:t> </a:t>
-            </a:r>
-            <a:r>
-              <a:rPr lang="en-CA" dirty="0" err="1">
-                <a:highlight>
-                  <a:srgbClr val="FFFF00"/>
-                </a:highlight>
-              </a:rPr>
-              <a:t>toutes</a:t>
-            </a:r>
-            <a:r>
-              <a:rPr lang="en-CA" dirty="0">
-                <a:highlight>
-                  <a:srgbClr val="FFFF00"/>
-                </a:highlight>
-              </a:rPr>
-              <a:t> les </a:t>
-            </a:r>
-            <a:r>
-              <a:rPr lang="en-CA" dirty="0" err="1">
-                <a:highlight>
-                  <a:srgbClr val="FFFF00"/>
-                </a:highlight>
-              </a:rPr>
-              <a:t>pertes</a:t>
-            </a:r>
-            <a:r>
-              <a:rPr lang="en-CA" dirty="0">
-                <a:highlight>
-                  <a:srgbClr val="FFFF00"/>
-                </a:highlight>
-              </a:rPr>
-              <a:t> (temps, argent etc.);</a:t>
-            </a:r>
-          </a:p>
-          <a:p>
-            <a:r>
               <a:rPr lang="en-CA" dirty="0"/>
               <a:t>Il </a:t>
             </a:r>
@@ -8953,77 +8589,103 @@
           </a:p>
           <a:p>
             <a:r>
-              <a:rPr lang="en-CA" dirty="0">
-                <a:highlight>
-                  <a:srgbClr val="FFFF00"/>
-                </a:highlight>
-              </a:rPr>
-              <a:t>Le partage </a:t>
-            </a:r>
-            <a:r>
-              <a:rPr lang="en-CA" dirty="0" err="1">
-                <a:highlight>
-                  <a:srgbClr val="FFFF00"/>
-                </a:highlight>
-              </a:rPr>
-              <a:t>d’information</a:t>
-            </a:r>
-            <a:r>
-              <a:rPr lang="en-CA" dirty="0">
-                <a:highlight>
-                  <a:srgbClr val="FFFF00"/>
-                </a:highlight>
-              </a:rPr>
-              <a:t>;</a:t>
-            </a:r>
-          </a:p>
-          <a:p>
-            <a:r>
-              <a:rPr lang="en-CA" dirty="0" err="1">
-                <a:highlight>
-                  <a:srgbClr val="FFFF00"/>
-                </a:highlight>
-              </a:rPr>
-              <a:t>L’objectif</a:t>
-            </a:r>
-            <a:r>
-              <a:rPr lang="en-CA" dirty="0">
-                <a:highlight>
-                  <a:srgbClr val="FFFF00"/>
-                </a:highlight>
-              </a:rPr>
-              <a:t> final deviant </a:t>
-            </a:r>
-            <a:r>
-              <a:rPr lang="en-CA" dirty="0" err="1">
-                <a:highlight>
-                  <a:srgbClr val="FFFF00"/>
-                </a:highlight>
-              </a:rPr>
+              <a:rPr lang="en-CA" dirty="0"/>
+              <a:t>Les </a:t>
+            </a:r>
+            <a:r>
+              <a:rPr lang="en-CA" dirty="0" err="1"/>
+              <a:t>étapes</a:t>
+            </a:r>
+            <a:r>
+              <a:rPr lang="en-CA" dirty="0"/>
+              <a:t> finales </a:t>
+            </a:r>
+            <a:r>
+              <a:rPr lang="en-CA" dirty="0" err="1"/>
+              <a:t>restent</a:t>
+            </a:r>
+            <a:r>
+              <a:rPr lang="en-CA" dirty="0"/>
+              <a:t> </a:t>
+            </a:r>
+            <a:r>
+              <a:rPr lang="en-CA" dirty="0" err="1"/>
+              <a:t>claires</a:t>
+            </a:r>
+            <a:r>
+              <a:rPr lang="en-CA" dirty="0"/>
+              <a:t> </a:t>
+            </a:r>
+            <a:r>
+              <a:rPr lang="en-CA" dirty="0" err="1"/>
+              <a:t>mais</a:t>
+            </a:r>
+            <a:r>
+              <a:rPr lang="en-CA" dirty="0"/>
+              <a:t> à </a:t>
+            </a:r>
+            <a:r>
+              <a:rPr lang="en-CA" dirty="0" err="1"/>
+              <a:t>avoir</a:t>
+            </a:r>
+            <a:r>
+              <a:rPr lang="en-CA" dirty="0"/>
+              <a:t> trop de sous-</a:t>
+            </a:r>
+            <a:r>
+              <a:rPr lang="en-CA" dirty="0" err="1"/>
+              <a:t>étapes</a:t>
+            </a:r>
+            <a:r>
+              <a:rPr lang="en-CA" dirty="0"/>
+              <a:t> on </a:t>
+            </a:r>
+            <a:r>
+              <a:rPr lang="en-CA" dirty="0" err="1"/>
+              <a:t>perd</a:t>
+            </a:r>
+            <a:r>
+              <a:rPr lang="en-CA" dirty="0"/>
+              <a:t> </a:t>
+            </a:r>
+            <a:r>
+              <a:rPr lang="en-CA" dirty="0" err="1"/>
+              <a:t>parfois</a:t>
+            </a:r>
+            <a:r>
+              <a:rPr lang="en-CA" dirty="0"/>
+              <a:t> </a:t>
+            </a:r>
+            <a:r>
+              <a:rPr lang="en-CA" dirty="0" err="1"/>
+              <a:t>l’objectif</a:t>
+            </a:r>
+            <a:r>
+              <a:rPr lang="en-CA" dirty="0"/>
+              <a:t> final qui </a:t>
+            </a:r>
+            <a:r>
+              <a:rPr lang="en-CA" dirty="0" err="1"/>
+              <a:t>devient</a:t>
+            </a:r>
+            <a:r>
+              <a:rPr lang="en-CA" dirty="0"/>
+              <a:t> </a:t>
+            </a:r>
+            <a:r>
+              <a:rPr lang="en-CA" dirty="0" err="1"/>
               <a:t>souvent</a:t>
             </a:r>
             <a:r>
-              <a:rPr lang="en-CA" dirty="0">
-                <a:highlight>
-                  <a:srgbClr val="FFFF00"/>
-                </a:highlight>
-              </a:rPr>
+              <a:rPr lang="en-CA" dirty="0"/>
               <a:t> </a:t>
             </a:r>
             <a:r>
-              <a:rPr lang="en-CA" dirty="0" err="1">
-                <a:highlight>
-                  <a:srgbClr val="FFFF00"/>
-                </a:highlight>
-              </a:rPr>
+              <a:rPr lang="en-CA" dirty="0" err="1"/>
               <a:t>flou</a:t>
             </a:r>
             <a:r>
-              <a:rPr lang="en-CA" dirty="0">
-                <a:highlight>
-                  <a:srgbClr val="FFFF00"/>
-                </a:highlight>
-              </a:rPr>
+              <a:rPr lang="en-CA" dirty="0"/>
               <a:t>;</a:t>
             </a:r>
           </a:p>
@@ -9360,104 +9022,6 @@
                                           <p:spTgt spid="3">
                                             <p:txEl>
                                               <p:pRg st="4" end="4"/>
-                                            </p:txEl>
-                                          </p:spTgt>
-                                        </p:tgtEl>
-                                        <p:attrNameLst>
-                                          <p:attrName>style.visibility</p:attrName>
-                                        </p:attrNameLst>
-                                      </p:cBhvr>
-                                      <p:to>
-                                        <p:strVal val="visible"/>
-                                      </p:to>
-                                    </p:set>
-                                  </p:childTnLst>
-                                </p:cTn>
-                              </p:par>
-                            </p:childTnLst>
-                          </p:cTn>
-                        </p:par>
-                      </p:childTnLst>
-                    </p:cTn>
-                  </p:par>
-                  <p:par>
-                    <p:cTn id="23" fill="hold">
-                      <p:stCondLst>
-                        <p:cond delay="indefinite"/>
-                      </p:stCondLst>
-                      <p:childTnLst>
-                        <p:par>
-                          <p:cTn id="24" fill="hold">
-                            <p:stCondLst>
-                              <p:cond delay="0"/>
-                            </p:stCondLst>
-                            <p:childTnLst>
-                              <p:par>
-                                <p:cTn id="25" presetID="1" presetClass="entr" presetSubtype="0" fill="hold" grpId="0" nodeType="clickEffect">
-                                  <p:stCondLst>
-                                    <p:cond delay="0"/>
-                                  </p:stCondLst>
-                                  <p:childTnLst>
-                                    <p:set>
-                                      <p:cBhvr>
-                                        <p:cTn id="26" dur="1" fill="hold">
-                                          <p:stCondLst>
-                                            <p:cond delay="0"/>
-                                          </p:stCondLst>
-                                        </p:cTn>
-                                        <p:tgtEl>
-                                          <p:spTgt spid="3">
-                                            <p:txEl>
-                                              <p:pRg st="5" end="5"/>
-                                            </p:txEl>
-                                          </p:spTgt>
-                                        </p:tgtEl>
-                                        <p:attrNameLst>
-                                          <p:attrName>style.visibility</p:attrName>
-                                        </p:attrNameLst>
-                                      </p:cBhvr>
-                                      <p:to>
-                                        <p:strVal val="visible"/>
-                                      </p:to>
-                                    </p:set>
-                                  </p:childTnLst>
-                                </p:cTn>
-                              </p:par>
-                            </p:childTnLst>
-                          </p:cTn>
-                        </p:par>
-                      </p:childTnLst>
-                    </p:cTn>
-                  </p:par>
-                  <p:par>
-                    <p:cTn id="27" fill="hold">
-                      <p:stCondLst>
-                        <p:cond delay="indefinite"/>
-                      </p:stCondLst>
-                      <p:childTnLst>
-                        <p:par>
-                          <p:cTn id="28" fill="hold">
-                            <p:stCondLst>
-                              <p:cond delay="0"/>
-                            </p:stCondLst>
-                            <p:childTnLst>
-                              <p:par>
-                                <p:cTn id="29" presetID="1" presetClass="entr" presetSubtype="0" fill="hold" grpId="0" nodeType="clickEffect">
-                                  <p:stCondLst>
-                                    <p:cond delay="0"/>
-                                  </p:stCondLst>
-                                  <p:childTnLst>
-                                    <p:set>
-                                      <p:cBhvr>
-                                        <p:cTn id="30" dur="1" fill="hold">
-                                          <p:stCondLst>
-                                            <p:cond delay="0"/>
-                                          </p:stCondLst>
-                                        </p:cTn>
-                                        <p:tgtEl>
-                                          <p:spTgt spid="3">
-                                            <p:txEl>
-                                              <p:pRg st="6" end="6"/>
                                             </p:txEl>
                                           </p:spTgt>
                                         </p:tgtEl>
@@ -10497,14 +10061,21 @@
           <a:p>
             <a:r>
               <a:rPr lang="fr-FR" dirty="0"/>
-              <a:t>Quel risque principal peut être causé par un changement de développement à mi-projet ?</a:t>
+              <a:t>Nommer un avantage et un inconvénient de cette méthode</a:t>
             </a:r>
           </a:p>
           <a:p>
             <a:pPr lvl="1"/>
             <a:r>
               <a:rPr lang="fr-FR" dirty="0"/>
-              <a:t>a</a:t>
+              <a:t>Grande implication du client et meilleure communication</a:t>
+            </a:r>
+          </a:p>
+          <a:p>
+            <a:pPr lvl="1"/>
+            <a:r>
+              <a:rPr lang="fr-FR" dirty="0"/>
+              <a:t>Trop de segmentation, ce qui fait que si une ressource n’est pas disponible, le projet stagne.</a:t>
             </a:r>
           </a:p>
           <a:p>
@@ -10695,33 +10266,15 @@
                                   </p:childTnLst>
                                 </p:cTn>
                               </p:par>
-                            </p:childTnLst>
-                          </p:cTn>
-                        </p:par>
-                      </p:childTnLst>
-                    </p:cTn>
-                  </p:par>
-                  <p:par>
-                    <p:cTn id="15" fill="hold">
-                      <p:stCondLst>
-                        <p:cond delay="indefinite"/>
-                      </p:stCondLst>
-                      <p:childTnLst>
-                        <p:par>
-                          <p:cTn id="16" fill="hold">
-                            <p:stCondLst>
-                              <p:cond delay="0"/>
-                            </p:stCondLst>
-                            <p:childTnLst>
                               <p:par>
-                                <p:cTn id="17" presetID="1" presetClass="entr" presetSubtype="0" fill="hold" grpId="0" nodeType="clickEffect">
+                                <p:cTn id="15" presetID="1" presetClass="entr" presetSubtype="0" fill="hold" grpId="0" nodeType="withEffect">
                                   <p:stCondLst>
                                     <p:cond delay="0"/>
                                   </p:stCondLst>
                                   <p:childTnLst>
                                     <p:set>
                                       <p:cBhvr>
-                                        <p:cTn id="18" dur="1" fill="hold">
+                                        <p:cTn id="16" dur="1" fill="hold">
                                           <p:stCondLst>
                                             <p:cond delay="0"/>
                                           </p:stCondLst>
@@ -10744,8 +10297,26 @@
                                   </p:childTnLst>
                                 </p:cTn>
                               </p:par>
+                            </p:childTnLst>
+                          </p:cTn>
+                        </p:par>
+                      </p:childTnLst>
+                    </p:cTn>
+                  </p:par>
+                  <p:par>
+                    <p:cTn id="17" fill="hold">
+                      <p:stCondLst>
+                        <p:cond delay="indefinite"/>
+                      </p:stCondLst>
+                      <p:childTnLst>
+                        <p:par>
+                          <p:cTn id="18" fill="hold">
+                            <p:stCondLst>
+                              <p:cond delay="0"/>
+                            </p:stCondLst>
+                            <p:childTnLst>
                               <p:par>
-                                <p:cTn id="19" presetID="1" presetClass="entr" presetSubtype="0" fill="hold" grpId="0" nodeType="withEffect">
+                                <p:cTn id="19" presetID="1" presetClass="entr" presetSubtype="0" fill="hold" grpId="0" nodeType="clickEffect">
                                   <p:stCondLst>
                                     <p:cond delay="0"/>
                                   </p:stCondLst>
@@ -10761,6 +10332,37 @@
                                           <p:spTgt spid="3">
                                             <p:txEl>
                                               <p:pRg st="5" end="5"/>
+                                            </p:txEl>
+                                          </p:spTgt>
+                                        </p:tgtEl>
+                                        <p:attrNameLst>
+                                          <p:attrName>style.visibility</p:attrName>
+                                        </p:attrNameLst>
+                                      </p:cBhvr>
+                                      <p:to>
+                                        <p:strVal val="visible"/>
+                                      </p:to>
+                                    </p:set>
+                                  </p:childTnLst>
+                                </p:cTn>
+                              </p:par>
+                              <p:par>
+                                <p:cTn id="21" presetID="1" presetClass="entr" presetSubtype="0" fill="hold" grpId="0" nodeType="withEffect">
+                                  <p:stCondLst>
+                                    <p:cond delay="0"/>
+                                  </p:stCondLst>
+                                  <p:childTnLst>
+                                    <p:set>
+                                      <p:cBhvr>
+                                        <p:cTn id="22" dur="1" fill="hold">
+                                          <p:stCondLst>
+                                            <p:cond delay="0"/>
+                                          </p:stCondLst>
+                                        </p:cTn>
+                                        <p:tgtEl>
+                                          <p:spTgt spid="3">
+                                            <p:txEl>
+                                              <p:pRg st="6" end="6"/>
                                             </p:txEl>
                                           </p:spTgt>
                                         </p:tgtEl>
